--- a/img/Model of comprehension processing.pptx
+++ b/img/Model of comprehension processing.pptx
@@ -198,7 +198,7 @@
           <a:p>
             <a:fld id="{04CA4E96-7081-4F4B-B88B-8E39A2882099}" type="datetimeFigureOut">
               <a:rPr lang="de-DE" smtClean="0"/>
-              <a:t>04.07.24</a:t>
+              <a:t>14.07.24</a:t>
             </a:fld>
             <a:endParaRPr lang="de-DE"/>
           </a:p>
@@ -685,7 +685,7 @@
           <a:p>
             <a:fld id="{81E290A3-98CA-2645-B1F7-BC5CB211C6A3}" type="datetimeFigureOut">
               <a:rPr lang="de-DE" smtClean="0"/>
-              <a:t>04.07.24</a:t>
+              <a:t>14.07.24</a:t>
             </a:fld>
             <a:endParaRPr lang="de-DE"/>
           </a:p>
@@ -855,7 +855,7 @@
           <a:p>
             <a:fld id="{81E290A3-98CA-2645-B1F7-BC5CB211C6A3}" type="datetimeFigureOut">
               <a:rPr lang="de-DE" smtClean="0"/>
-              <a:t>04.07.24</a:t>
+              <a:t>14.07.24</a:t>
             </a:fld>
             <a:endParaRPr lang="de-DE"/>
           </a:p>
@@ -1035,7 +1035,7 @@
           <a:p>
             <a:fld id="{81E290A3-98CA-2645-B1F7-BC5CB211C6A3}" type="datetimeFigureOut">
               <a:rPr lang="de-DE" smtClean="0"/>
-              <a:t>04.07.24</a:t>
+              <a:t>14.07.24</a:t>
             </a:fld>
             <a:endParaRPr lang="de-DE"/>
           </a:p>
@@ -1205,7 +1205,7 @@
           <a:p>
             <a:fld id="{81E290A3-98CA-2645-B1F7-BC5CB211C6A3}" type="datetimeFigureOut">
               <a:rPr lang="de-DE" smtClean="0"/>
-              <a:t>04.07.24</a:t>
+              <a:t>14.07.24</a:t>
             </a:fld>
             <a:endParaRPr lang="de-DE"/>
           </a:p>
@@ -1451,7 +1451,7 @@
           <a:p>
             <a:fld id="{81E290A3-98CA-2645-B1F7-BC5CB211C6A3}" type="datetimeFigureOut">
               <a:rPr lang="de-DE" smtClean="0"/>
-              <a:t>04.07.24</a:t>
+              <a:t>14.07.24</a:t>
             </a:fld>
             <a:endParaRPr lang="de-DE"/>
           </a:p>
@@ -1683,7 +1683,7 @@
           <a:p>
             <a:fld id="{81E290A3-98CA-2645-B1F7-BC5CB211C6A3}" type="datetimeFigureOut">
               <a:rPr lang="de-DE" smtClean="0"/>
-              <a:t>04.07.24</a:t>
+              <a:t>14.07.24</a:t>
             </a:fld>
             <a:endParaRPr lang="de-DE"/>
           </a:p>
@@ -2050,7 +2050,7 @@
           <a:p>
             <a:fld id="{81E290A3-98CA-2645-B1F7-BC5CB211C6A3}" type="datetimeFigureOut">
               <a:rPr lang="de-DE" smtClean="0"/>
-              <a:t>04.07.24</a:t>
+              <a:t>14.07.24</a:t>
             </a:fld>
             <a:endParaRPr lang="de-DE"/>
           </a:p>
@@ -2168,7 +2168,7 @@
           <a:p>
             <a:fld id="{81E290A3-98CA-2645-B1F7-BC5CB211C6A3}" type="datetimeFigureOut">
               <a:rPr lang="de-DE" smtClean="0"/>
-              <a:t>04.07.24</a:t>
+              <a:t>14.07.24</a:t>
             </a:fld>
             <a:endParaRPr lang="de-DE"/>
           </a:p>
@@ -2263,7 +2263,7 @@
           <a:p>
             <a:fld id="{81E290A3-98CA-2645-B1F7-BC5CB211C6A3}" type="datetimeFigureOut">
               <a:rPr lang="de-DE" smtClean="0"/>
-              <a:t>04.07.24</a:t>
+              <a:t>14.07.24</a:t>
             </a:fld>
             <a:endParaRPr lang="de-DE"/>
           </a:p>
@@ -2540,7 +2540,7 @@
           <a:p>
             <a:fld id="{81E290A3-98CA-2645-B1F7-BC5CB211C6A3}" type="datetimeFigureOut">
               <a:rPr lang="de-DE" smtClean="0"/>
-              <a:t>04.07.24</a:t>
+              <a:t>14.07.24</a:t>
             </a:fld>
             <a:endParaRPr lang="de-DE"/>
           </a:p>
@@ -2797,7 +2797,7 @@
           <a:p>
             <a:fld id="{81E290A3-98CA-2645-B1F7-BC5CB211C6A3}" type="datetimeFigureOut">
               <a:rPr lang="de-DE" smtClean="0"/>
-              <a:t>04.07.24</a:t>
+              <a:t>14.07.24</a:t>
             </a:fld>
             <a:endParaRPr lang="de-DE"/>
           </a:p>
@@ -3010,7 +3010,7 @@
           <a:p>
             <a:fld id="{81E290A3-98CA-2645-B1F7-BC5CB211C6A3}" type="datetimeFigureOut">
               <a:rPr lang="de-DE" smtClean="0"/>
-              <a:t>04.07.24</a:t>
+              <a:t>14.07.24</a:t>
             </a:fld>
             <a:endParaRPr lang="de-DE"/>
           </a:p>
@@ -3399,7 +3399,7 @@
 </file>
 
 <file path=ppt/slides/slide1.xml><?xml version="1.0" encoding="utf-8"?>
-<p:sld xmlns:a="http://schemas.openxmlformats.org/drawingml/2006/main" xmlns:r="http://schemas.openxmlformats.org/officeDocument/2006/relationships" xmlns:p="http://schemas.openxmlformats.org/presentationml/2006/main">
+<p:sld xmlns:a="http://schemas.openxmlformats.org/drawingml/2006/main" xmlns:r="http://schemas.openxmlformats.org/officeDocument/2006/relationships" xmlns:p="http://schemas.openxmlformats.org/presentationml/2006/main" show="0">
   <p:cSld>
     <p:spTree>
       <p:nvGrpSpPr>
@@ -4532,7 +4532,7 @@
           <a:noFill/>
           <a:ln>
             <a:solidFill>
-              <a:schemeClr val="tx1"/>
+              <a:srgbClr val="267326"/>
             </a:solidFill>
           </a:ln>
         </p:spPr>
@@ -4690,7 +4690,7 @@
           <a:noFill/>
           <a:ln>
             <a:solidFill>
-              <a:schemeClr val="tx1"/>
+              <a:srgbClr val="267326"/>
             </a:solidFill>
           </a:ln>
         </p:spPr>
@@ -4749,7 +4749,7 @@
           <a:noFill/>
           <a:ln>
             <a:solidFill>
-              <a:schemeClr val="tx1"/>
+              <a:srgbClr val="267326"/>
             </a:solidFill>
           </a:ln>
         </p:spPr>
@@ -4809,7 +4809,7 @@
           <a:prstGeom prst="straightConnector1">
             <a:avLst/>
           </a:prstGeom>
-          <a:ln w="19050">
+          <a:ln w="28575">
             <a:solidFill>
               <a:srgbClr val="267326"/>
             </a:solidFill>
@@ -4855,7 +4855,7 @@
           <a:prstGeom prst="straightConnector1">
             <a:avLst/>
           </a:prstGeom>
-          <a:ln w="19050">
+          <a:ln w="28575">
             <a:solidFill>
               <a:srgbClr val="267326"/>
             </a:solidFill>
@@ -4900,7 +4900,7 @@
           <a:prstGeom prst="straightConnector1">
             <a:avLst/>
           </a:prstGeom>
-          <a:ln w="19050">
+          <a:ln w="28575">
             <a:solidFill>
               <a:srgbClr val="267326"/>
             </a:solidFill>
@@ -4944,7 +4944,7 @@
           <a:prstGeom prst="straightConnector1">
             <a:avLst/>
           </a:prstGeom>
-          <a:ln w="19050">
+          <a:ln w="28575">
             <a:solidFill>
               <a:srgbClr val="267326"/>
             </a:solidFill>
@@ -5032,7 +5032,7 @@
           <a:prstGeom prst="straightConnector1">
             <a:avLst/>
           </a:prstGeom>
-          <a:ln w="19050">
+          <a:ln w="28575">
             <a:solidFill>
               <a:srgbClr val="267326"/>
             </a:solidFill>
@@ -5079,7 +5079,7 @@
           <a:prstGeom prst="straightConnector1">
             <a:avLst/>
           </a:prstGeom>
-          <a:ln w="19050">
+          <a:ln w="28575">
             <a:solidFill>
               <a:srgbClr val="267326"/>
             </a:solidFill>
@@ -5182,7 +5182,7 @@
           <a:prstGeom prst="straightConnector1">
             <a:avLst/>
           </a:prstGeom>
-          <a:ln w="19050">
+          <a:ln w="28575">
             <a:solidFill>
               <a:srgbClr val="267326"/>
             </a:solidFill>
@@ -5228,7 +5228,7 @@
           <a:prstGeom prst="straightConnector1">
             <a:avLst/>
           </a:prstGeom>
-          <a:ln w="19050">
+          <a:ln w="28575">
             <a:solidFill>
               <a:srgbClr val="267326"/>
             </a:solidFill>
@@ -5265,8 +5265,8 @@
         </p:nvSpPr>
         <p:spPr>
           <a:xfrm>
-            <a:off x="4516455" y="924006"/>
-            <a:ext cx="3449924" cy="338554"/>
+            <a:off x="5145092" y="966869"/>
+            <a:ext cx="2253996" cy="276999"/>
           </a:xfrm>
           <a:prstGeom prst="rect">
             <a:avLst/>
@@ -5280,7 +5280,7 @@
           <a:lstStyle/>
           <a:p>
             <a:r>
-              <a:rPr lang="de-DE" sz="1600" dirty="0" err="1">
+              <a:rPr lang="de-DE" sz="1200" dirty="0" err="1">
                 <a:solidFill>
                   <a:srgbClr val="267326"/>
                 </a:solidFill>
@@ -5290,7 +5290,7 @@
               <a:t>Wissensgestütze</a:t>
             </a:r>
             <a:r>
-              <a:rPr lang="de-DE" sz="1600" dirty="0">
+              <a:rPr lang="de-DE" sz="1200" dirty="0">
                 <a:solidFill>
                   <a:srgbClr val="267326"/>
                 </a:solidFill>
@@ -5421,6 +5421,249 @@
                 <a:cs typeface="Didot" panose="02000503000000020003" pitchFamily="2" charset="-79"/>
               </a:rPr>
               <a:t>Lernen</a:t>
+            </a:r>
+          </a:p>
+        </p:txBody>
+      </p:sp>
+      <p:sp>
+        <p:nvSpPr>
+          <p:cNvPr id="2" name="Textfeld 1">
+            <a:extLst>
+              <a:ext uri="{FF2B5EF4-FFF2-40B4-BE49-F238E27FC236}">
+                <a16:creationId xmlns:a16="http://schemas.microsoft.com/office/drawing/2014/main" id="{688532F5-054C-CC5D-EB6A-4E062C765423}"/>
+              </a:ext>
+            </a:extLst>
+          </p:cNvPr>
+          <p:cNvSpPr txBox="1"/>
+          <p:nvPr/>
+        </p:nvSpPr>
+        <p:spPr>
+          <a:xfrm>
+            <a:off x="1181418" y="4958254"/>
+            <a:ext cx="8619667" cy="369332"/>
+          </a:xfrm>
+          <a:prstGeom prst="rect">
+            <a:avLst/>
+          </a:prstGeom>
+          <a:noFill/>
+        </p:spPr>
+        <p:txBody>
+          <a:bodyPr wrap="none" rtlCol="0">
+            <a:spAutoFit/>
+          </a:bodyPr>
+          <a:lstStyle/>
+          <a:p>
+            <a:r>
+              <a:rPr lang="de-DE" dirty="0">
+                <a:solidFill>
+                  <a:srgbClr val="267326"/>
+                </a:solidFill>
+                <a:latin typeface="LM Roman 10" pitchFamily="2" charset="77"/>
+              </a:rPr>
+              <a:t>Eigene Adaption des Modells </a:t>
+            </a:r>
+            <a:r>
+              <a:rPr lang="de-DE">
+                <a:solidFill>
+                  <a:srgbClr val="267326"/>
+                </a:solidFill>
+                <a:latin typeface="LM Roman 10" pitchFamily="2" charset="77"/>
+              </a:rPr>
+              <a:t>des Verstehensprozesses nach </a:t>
+            </a:r>
+            <a:r>
+              <a:rPr lang="de-DE" dirty="0">
+                <a:solidFill>
+                  <a:srgbClr val="7FC400"/>
+                </a:solidFill>
+                <a:latin typeface="LM Roman 10" pitchFamily="2" charset="77"/>
+              </a:rPr>
+              <a:t>Kriz &amp; Hegarty (2007) </a:t>
+            </a:r>
+          </a:p>
+        </p:txBody>
+      </p:sp>
+      <p:cxnSp>
+        <p:nvCxnSpPr>
+          <p:cNvPr id="8" name="Gerade Verbindung 7">
+            <a:extLst>
+              <a:ext uri="{FF2B5EF4-FFF2-40B4-BE49-F238E27FC236}">
+                <a16:creationId xmlns:a16="http://schemas.microsoft.com/office/drawing/2014/main" id="{EF4E337F-6168-30EC-3795-CEF4004AA251}"/>
+              </a:ext>
+            </a:extLst>
+          </p:cNvPr>
+          <p:cNvCxnSpPr>
+            <a:cxnSpLocks/>
+          </p:cNvCxnSpPr>
+          <p:nvPr/>
+        </p:nvCxnSpPr>
+        <p:spPr>
+          <a:xfrm>
+            <a:off x="194553" y="901787"/>
+            <a:ext cx="671209" cy="0"/>
+          </a:xfrm>
+          <a:prstGeom prst="line">
+            <a:avLst/>
+          </a:prstGeom>
+          <a:ln w="28575">
+            <a:solidFill>
+              <a:srgbClr val="267326"/>
+            </a:solidFill>
+          </a:ln>
+        </p:spPr>
+        <p:style>
+          <a:lnRef idx="1">
+            <a:schemeClr val="accent1"/>
+          </a:lnRef>
+          <a:fillRef idx="0">
+            <a:schemeClr val="accent1"/>
+          </a:fillRef>
+          <a:effectRef idx="0">
+            <a:schemeClr val="accent1"/>
+          </a:effectRef>
+          <a:fontRef idx="minor">
+            <a:schemeClr val="tx1"/>
+          </a:fontRef>
+        </p:style>
+      </p:cxnSp>
+      <p:sp>
+        <p:nvSpPr>
+          <p:cNvPr id="11" name="Textfeld 10">
+            <a:extLst>
+              <a:ext uri="{FF2B5EF4-FFF2-40B4-BE49-F238E27FC236}">
+                <a16:creationId xmlns:a16="http://schemas.microsoft.com/office/drawing/2014/main" id="{68FBE8D8-11DA-8DD6-174F-59D783927DB1}"/>
+              </a:ext>
+            </a:extLst>
+          </p:cNvPr>
+          <p:cNvSpPr txBox="1"/>
+          <p:nvPr/>
+        </p:nvSpPr>
+        <p:spPr>
+          <a:xfrm>
+            <a:off x="865762" y="747899"/>
+            <a:ext cx="2794355" cy="307777"/>
+          </a:xfrm>
+          <a:prstGeom prst="rect">
+            <a:avLst/>
+          </a:prstGeom>
+          <a:noFill/>
+        </p:spPr>
+        <p:txBody>
+          <a:bodyPr wrap="none" rtlCol="0">
+            <a:spAutoFit/>
+          </a:bodyPr>
+          <a:lstStyle/>
+          <a:p>
+            <a:r>
+              <a:rPr lang="de-DE" sz="1400" dirty="0">
+                <a:solidFill>
+                  <a:srgbClr val="267326"/>
+                </a:solidFill>
+                <a:latin typeface="LM Roman 10" pitchFamily="2" charset="77"/>
+              </a:rPr>
+              <a:t>= </a:t>
+            </a:r>
+            <a:r>
+              <a:rPr lang="de-DE" sz="1400" dirty="0" err="1">
+                <a:solidFill>
+                  <a:srgbClr val="267326"/>
+                </a:solidFill>
+                <a:latin typeface="LM Roman 10" pitchFamily="2" charset="77"/>
+              </a:rPr>
+              <a:t>Bottom-up</a:t>
+            </a:r>
+            <a:r>
+              <a:rPr lang="de-DE" sz="1400" dirty="0">
+                <a:solidFill>
+                  <a:srgbClr val="267326"/>
+                </a:solidFill>
+                <a:latin typeface="LM Roman 10" pitchFamily="2" charset="77"/>
+              </a:rPr>
+              <a:t> Verstehensprozesse</a:t>
+            </a:r>
+          </a:p>
+        </p:txBody>
+      </p:sp>
+      <p:cxnSp>
+        <p:nvCxnSpPr>
+          <p:cNvPr id="14" name="Gerade Verbindung 13">
+            <a:extLst>
+              <a:ext uri="{FF2B5EF4-FFF2-40B4-BE49-F238E27FC236}">
+                <a16:creationId xmlns:a16="http://schemas.microsoft.com/office/drawing/2014/main" id="{CB3D9471-E745-8757-08D2-CF99A13DD321}"/>
+              </a:ext>
+            </a:extLst>
+          </p:cNvPr>
+          <p:cNvCxnSpPr>
+            <a:cxnSpLocks/>
+          </p:cNvCxnSpPr>
+          <p:nvPr/>
+        </p:nvCxnSpPr>
+        <p:spPr>
+          <a:xfrm>
+            <a:off x="194553" y="532812"/>
+            <a:ext cx="671209" cy="0"/>
+          </a:xfrm>
+          <a:prstGeom prst="line">
+            <a:avLst/>
+          </a:prstGeom>
+          <a:ln w="28575">
+            <a:solidFill>
+              <a:srgbClr val="267326"/>
+            </a:solidFill>
+            <a:prstDash val="dash"/>
+          </a:ln>
+        </p:spPr>
+        <p:style>
+          <a:lnRef idx="1">
+            <a:schemeClr val="accent1"/>
+          </a:lnRef>
+          <a:fillRef idx="0">
+            <a:schemeClr val="accent1"/>
+          </a:fillRef>
+          <a:effectRef idx="0">
+            <a:schemeClr val="accent1"/>
+          </a:effectRef>
+          <a:fontRef idx="minor">
+            <a:schemeClr val="tx1"/>
+          </a:fontRef>
+        </p:style>
+      </p:cxnSp>
+      <p:sp>
+        <p:nvSpPr>
+          <p:cNvPr id="15" name="Textfeld 14">
+            <a:extLst>
+              <a:ext uri="{FF2B5EF4-FFF2-40B4-BE49-F238E27FC236}">
+                <a16:creationId xmlns:a16="http://schemas.microsoft.com/office/drawing/2014/main" id="{D69CF8CA-5348-6585-B01F-4947310F736F}"/>
+              </a:ext>
+            </a:extLst>
+          </p:cNvPr>
+          <p:cNvSpPr txBox="1"/>
+          <p:nvPr/>
+        </p:nvSpPr>
+        <p:spPr>
+          <a:xfrm>
+            <a:off x="865762" y="378924"/>
+            <a:ext cx="2736647" cy="307777"/>
+          </a:xfrm>
+          <a:prstGeom prst="rect">
+            <a:avLst/>
+          </a:prstGeom>
+          <a:noFill/>
+        </p:spPr>
+        <p:txBody>
+          <a:bodyPr wrap="none" rtlCol="0">
+            <a:spAutoFit/>
+          </a:bodyPr>
+          <a:lstStyle/>
+          <a:p>
+            <a:r>
+              <a:rPr lang="de-DE" sz="1400" dirty="0">
+                <a:solidFill>
+                  <a:srgbClr val="267326"/>
+                </a:solidFill>
+                <a:latin typeface="LM Roman 10" pitchFamily="2" charset="77"/>
+              </a:rPr>
+              <a:t>= Top-down Verstehensprozesse</a:t>
             </a:r>
           </a:p>
         </p:txBody>

--- a/img/Model of comprehension processing.pptx
+++ b/img/Model of comprehension processing.pptx
@@ -198,7 +198,7 @@
           <a:p>
             <a:fld id="{04CA4E96-7081-4F4B-B88B-8E39A2882099}" type="datetimeFigureOut">
               <a:rPr lang="de-DE" smtClean="0"/>
-              <a:t>14.07.24</a:t>
+              <a:t>17.07.24</a:t>
             </a:fld>
             <a:endParaRPr lang="de-DE"/>
           </a:p>
@@ -685,7 +685,7 @@
           <a:p>
             <a:fld id="{81E290A3-98CA-2645-B1F7-BC5CB211C6A3}" type="datetimeFigureOut">
               <a:rPr lang="de-DE" smtClean="0"/>
-              <a:t>14.07.24</a:t>
+              <a:t>17.07.24</a:t>
             </a:fld>
             <a:endParaRPr lang="de-DE"/>
           </a:p>
@@ -855,7 +855,7 @@
           <a:p>
             <a:fld id="{81E290A3-98CA-2645-B1F7-BC5CB211C6A3}" type="datetimeFigureOut">
               <a:rPr lang="de-DE" smtClean="0"/>
-              <a:t>14.07.24</a:t>
+              <a:t>17.07.24</a:t>
             </a:fld>
             <a:endParaRPr lang="de-DE"/>
           </a:p>
@@ -1035,7 +1035,7 @@
           <a:p>
             <a:fld id="{81E290A3-98CA-2645-B1F7-BC5CB211C6A3}" type="datetimeFigureOut">
               <a:rPr lang="de-DE" smtClean="0"/>
-              <a:t>14.07.24</a:t>
+              <a:t>17.07.24</a:t>
             </a:fld>
             <a:endParaRPr lang="de-DE"/>
           </a:p>
@@ -1205,7 +1205,7 @@
           <a:p>
             <a:fld id="{81E290A3-98CA-2645-B1F7-BC5CB211C6A3}" type="datetimeFigureOut">
               <a:rPr lang="de-DE" smtClean="0"/>
-              <a:t>14.07.24</a:t>
+              <a:t>17.07.24</a:t>
             </a:fld>
             <a:endParaRPr lang="de-DE"/>
           </a:p>
@@ -1451,7 +1451,7 @@
           <a:p>
             <a:fld id="{81E290A3-98CA-2645-B1F7-BC5CB211C6A3}" type="datetimeFigureOut">
               <a:rPr lang="de-DE" smtClean="0"/>
-              <a:t>14.07.24</a:t>
+              <a:t>17.07.24</a:t>
             </a:fld>
             <a:endParaRPr lang="de-DE"/>
           </a:p>
@@ -1683,7 +1683,7 @@
           <a:p>
             <a:fld id="{81E290A3-98CA-2645-B1F7-BC5CB211C6A3}" type="datetimeFigureOut">
               <a:rPr lang="de-DE" smtClean="0"/>
-              <a:t>14.07.24</a:t>
+              <a:t>17.07.24</a:t>
             </a:fld>
             <a:endParaRPr lang="de-DE"/>
           </a:p>
@@ -2050,7 +2050,7 @@
           <a:p>
             <a:fld id="{81E290A3-98CA-2645-B1F7-BC5CB211C6A3}" type="datetimeFigureOut">
               <a:rPr lang="de-DE" smtClean="0"/>
-              <a:t>14.07.24</a:t>
+              <a:t>17.07.24</a:t>
             </a:fld>
             <a:endParaRPr lang="de-DE"/>
           </a:p>
@@ -2168,7 +2168,7 @@
           <a:p>
             <a:fld id="{81E290A3-98CA-2645-B1F7-BC5CB211C6A3}" type="datetimeFigureOut">
               <a:rPr lang="de-DE" smtClean="0"/>
-              <a:t>14.07.24</a:t>
+              <a:t>17.07.24</a:t>
             </a:fld>
             <a:endParaRPr lang="de-DE"/>
           </a:p>
@@ -2263,7 +2263,7 @@
           <a:p>
             <a:fld id="{81E290A3-98CA-2645-B1F7-BC5CB211C6A3}" type="datetimeFigureOut">
               <a:rPr lang="de-DE" smtClean="0"/>
-              <a:t>14.07.24</a:t>
+              <a:t>17.07.24</a:t>
             </a:fld>
             <a:endParaRPr lang="de-DE"/>
           </a:p>
@@ -2540,7 +2540,7 @@
           <a:p>
             <a:fld id="{81E290A3-98CA-2645-B1F7-BC5CB211C6A3}" type="datetimeFigureOut">
               <a:rPr lang="de-DE" smtClean="0"/>
-              <a:t>14.07.24</a:t>
+              <a:t>17.07.24</a:t>
             </a:fld>
             <a:endParaRPr lang="de-DE"/>
           </a:p>
@@ -2797,7 +2797,7 @@
           <a:p>
             <a:fld id="{81E290A3-98CA-2645-B1F7-BC5CB211C6A3}" type="datetimeFigureOut">
               <a:rPr lang="de-DE" smtClean="0"/>
-              <a:t>14.07.24</a:t>
+              <a:t>17.07.24</a:t>
             </a:fld>
             <a:endParaRPr lang="de-DE"/>
           </a:p>
@@ -3010,7 +3010,7 @@
           <a:p>
             <a:fld id="{81E290A3-98CA-2645-B1F7-BC5CB211C6A3}" type="datetimeFigureOut">
               <a:rPr lang="de-DE" smtClean="0"/>
-              <a:t>14.07.24</a:t>
+              <a:t>17.07.24</a:t>
             </a:fld>
             <a:endParaRPr lang="de-DE"/>
           </a:p>
@@ -4532,7 +4532,7 @@
           <a:noFill/>
           <a:ln>
             <a:solidFill>
-              <a:srgbClr val="267326"/>
+              <a:schemeClr val="tx1"/>
             </a:solidFill>
           </a:ln>
         </p:spPr>
@@ -4544,9 +4544,6 @@
           <a:p>
             <a:r>
               <a:rPr lang="de-DE" sz="1600" dirty="0">
-                <a:solidFill>
-                  <a:srgbClr val="267326"/>
-                </a:solidFill>
                 <a:latin typeface="LM Roman 10" pitchFamily="2" charset="77"/>
                 <a:cs typeface="Didot" panose="02000503000000020003" pitchFamily="2" charset="-79"/>
               </a:rPr>
@@ -4557,13 +4554,24 @@
             <a:pPr algn="ctr"/>
             <a:r>
               <a:rPr lang="de-DE" sz="1400" i="1" dirty="0">
-                <a:solidFill>
-                  <a:srgbClr val="267326"/>
-                </a:solidFill>
-                <a:latin typeface="LM Roman 10" pitchFamily="2" charset="77"/>
-                <a:cs typeface="Didot" panose="02000503000000020003" pitchFamily="2" charset="-79"/>
-              </a:rPr>
-              <a:t>textlich / visuell</a:t>
+                <a:latin typeface="LM Roman 10" pitchFamily="2" charset="77"/>
+                <a:cs typeface="Didot" panose="02000503000000020003" pitchFamily="2" charset="-79"/>
+              </a:rPr>
+              <a:t>textlich</a:t>
+            </a:r>
+            <a:r>
+              <a:rPr lang="de-DE" sz="1400" dirty="0">
+                <a:latin typeface="LM Roman 10" pitchFamily="2" charset="77"/>
+                <a:cs typeface="Didot" panose="02000503000000020003" pitchFamily="2" charset="-79"/>
+              </a:rPr>
+              <a:t>/</a:t>
+            </a:r>
+            <a:r>
+              <a:rPr lang="de-DE" sz="1400" i="1" dirty="0">
+                <a:latin typeface="LM Roman 10" pitchFamily="2" charset="77"/>
+                <a:cs typeface="Didot" panose="02000503000000020003" pitchFamily="2" charset="-79"/>
+              </a:rPr>
+              <a:t>visuell</a:t>
             </a:r>
           </a:p>
         </p:txBody>
@@ -4603,9 +4611,6 @@
           <a:p>
             <a:r>
               <a:rPr lang="de-DE" sz="1600" dirty="0">
-                <a:solidFill>
-                  <a:srgbClr val="267326"/>
-                </a:solidFill>
                 <a:latin typeface="LM Roman 10" pitchFamily="2" charset="77"/>
                 <a:cs typeface="Didot" panose="02000503000000020003" pitchFamily="2" charset="-79"/>
               </a:rPr>
@@ -4616,9 +4621,6 @@
             <a:pPr algn="ctr"/>
             <a:r>
               <a:rPr lang="de-DE" sz="1400" i="1" dirty="0">
-                <a:solidFill>
-                  <a:srgbClr val="267326"/>
-                </a:solidFill>
                 <a:latin typeface="LM Roman 10" pitchFamily="2" charset="77"/>
                 <a:cs typeface="Didot" panose="02000503000000020003" pitchFamily="2" charset="-79"/>
               </a:rPr>
@@ -4626,9 +4628,6 @@
             </a:r>
             <a:r>
               <a:rPr lang="de-DE" sz="1400" i="1" dirty="0" err="1">
-                <a:solidFill>
-                  <a:srgbClr val="267326"/>
-                </a:solidFill>
                 <a:latin typeface="LM Roman 10" pitchFamily="2" charset="77"/>
                 <a:cs typeface="Didot" panose="02000503000000020003" pitchFamily="2" charset="-79"/>
               </a:rPr>
@@ -4636,9 +4635,6 @@
             </a:r>
             <a:r>
               <a:rPr lang="de-DE" sz="1400" i="1" dirty="0">
-                <a:solidFill>
-                  <a:srgbClr val="267326"/>
-                </a:solidFill>
                 <a:latin typeface="LM Roman 10" pitchFamily="2" charset="77"/>
                 <a:cs typeface="Didot" panose="02000503000000020003" pitchFamily="2" charset="-79"/>
               </a:rPr>
@@ -4646,9 +4642,6 @@
             </a:r>
             <a:r>
               <a:rPr lang="de-DE" sz="1400" i="1" dirty="0" err="1">
-                <a:solidFill>
-                  <a:srgbClr val="267326"/>
-                </a:solidFill>
                 <a:latin typeface="LM Roman 10" pitchFamily="2" charset="77"/>
                 <a:cs typeface="Didot" panose="02000503000000020003" pitchFamily="2" charset="-79"/>
               </a:rPr>
@@ -4656,9 +4649,6 @@
             </a:r>
             <a:r>
               <a:rPr lang="de-DE" sz="1400" i="1" dirty="0">
-                <a:solidFill>
-                  <a:srgbClr val="267326"/>
-                </a:solidFill>
                 <a:latin typeface="LM Roman 10" pitchFamily="2" charset="77"/>
                 <a:cs typeface="Didot" panose="02000503000000020003" pitchFamily="2" charset="-79"/>
               </a:rPr>
@@ -4690,7 +4680,7 @@
           <a:noFill/>
           <a:ln>
             <a:solidFill>
-              <a:srgbClr val="267326"/>
+              <a:schemeClr val="tx1"/>
             </a:solidFill>
           </a:ln>
         </p:spPr>
@@ -4702,9 +4692,6 @@
           <a:p>
             <a:r>
               <a:rPr lang="de-DE" sz="1400" dirty="0">
-                <a:solidFill>
-                  <a:srgbClr val="267326"/>
-                </a:solidFill>
                 <a:latin typeface="LM Roman 10" pitchFamily="2" charset="77"/>
                 <a:cs typeface="Didot" panose="02000503000000020003" pitchFamily="2" charset="-79"/>
               </a:rPr>
@@ -4715,13 +4702,24 @@
             <a:pPr algn="ctr"/>
             <a:r>
               <a:rPr lang="de-DE" sz="1400" i="1" dirty="0">
-                <a:solidFill>
-                  <a:srgbClr val="267326"/>
-                </a:solidFill>
-                <a:latin typeface="LM Roman 10" pitchFamily="2" charset="77"/>
-                <a:cs typeface="Didot" panose="02000503000000020003" pitchFamily="2" charset="-79"/>
-              </a:rPr>
-              <a:t>textlich/visuell</a:t>
+                <a:latin typeface="LM Roman 10" pitchFamily="2" charset="77"/>
+                <a:cs typeface="Didot" panose="02000503000000020003" pitchFamily="2" charset="-79"/>
+              </a:rPr>
+              <a:t>textlich</a:t>
+            </a:r>
+            <a:r>
+              <a:rPr lang="de-DE" sz="1400" dirty="0">
+                <a:latin typeface="LM Roman 10" pitchFamily="2" charset="77"/>
+                <a:cs typeface="Didot" panose="02000503000000020003" pitchFamily="2" charset="-79"/>
+              </a:rPr>
+              <a:t>/</a:t>
+            </a:r>
+            <a:r>
+              <a:rPr lang="de-DE" sz="1400" i="1" dirty="0">
+                <a:latin typeface="LM Roman 10" pitchFamily="2" charset="77"/>
+                <a:cs typeface="Didot" panose="02000503000000020003" pitchFamily="2" charset="-79"/>
+              </a:rPr>
+              <a:t>visuell</a:t>
             </a:r>
           </a:p>
         </p:txBody>
@@ -4749,7 +4747,7 @@
           <a:noFill/>
           <a:ln>
             <a:solidFill>
-              <a:srgbClr val="267326"/>
+              <a:schemeClr val="tx1"/>
             </a:solidFill>
           </a:ln>
         </p:spPr>
@@ -4761,9 +4759,6 @@
           <a:p>
             <a:r>
               <a:rPr lang="de-DE" sz="1600" dirty="0">
-                <a:solidFill>
-                  <a:srgbClr val="267326"/>
-                </a:solidFill>
                 <a:latin typeface="LM Roman 10" pitchFamily="2" charset="77"/>
                 <a:cs typeface="Didot" panose="02000503000000020003" pitchFamily="2" charset="-79"/>
               </a:rPr>
@@ -4774,9 +4769,6 @@
             <a:pPr algn="ctr"/>
             <a:r>
               <a:rPr lang="de-DE" sz="1100" dirty="0">
-                <a:solidFill>
-                  <a:srgbClr val="267326"/>
-                </a:solidFill>
                 <a:latin typeface="LM Roman 10" pitchFamily="2" charset="77"/>
                 <a:cs typeface="Didot" panose="02000503000000020003" pitchFamily="2" charset="-79"/>
               </a:rPr>
@@ -4811,7 +4803,7 @@
           </a:prstGeom>
           <a:ln w="28575">
             <a:solidFill>
-              <a:srgbClr val="267326"/>
+              <a:schemeClr val="tx1"/>
             </a:solidFill>
             <a:tailEnd type="triangle"/>
           </a:ln>
@@ -4857,7 +4849,7 @@
           </a:prstGeom>
           <a:ln w="28575">
             <a:solidFill>
-              <a:srgbClr val="267326"/>
+              <a:schemeClr val="tx1"/>
             </a:solidFill>
             <a:tailEnd type="triangle"/>
           </a:ln>
@@ -4902,7 +4894,7 @@
           </a:prstGeom>
           <a:ln w="28575">
             <a:solidFill>
-              <a:srgbClr val="267326"/>
+              <a:schemeClr val="tx1"/>
             </a:solidFill>
             <a:tailEnd type="triangle"/>
           </a:ln>
@@ -4946,7 +4938,7 @@
           </a:prstGeom>
           <a:ln w="28575">
             <a:solidFill>
-              <a:srgbClr val="267326"/>
+              <a:schemeClr val="tx1"/>
             </a:solidFill>
             <a:prstDash val="lgDash"/>
             <a:headEnd type="triangle" w="med" len="med"/>
@@ -4998,9 +4990,6 @@
           <a:p>
             <a:r>
               <a:rPr lang="de-DE" sz="1200" dirty="0">
-                <a:solidFill>
-                  <a:srgbClr val="267326"/>
-                </a:solidFill>
                 <a:latin typeface="LM Roman 10" pitchFamily="2" charset="77"/>
                 <a:cs typeface="Didot" panose="02000503000000020003" pitchFamily="2" charset="-79"/>
               </a:rPr>
@@ -5034,7 +5023,7 @@
           </a:prstGeom>
           <a:ln w="28575">
             <a:solidFill>
-              <a:srgbClr val="267326"/>
+              <a:schemeClr val="tx1"/>
             </a:solidFill>
             <a:prstDash val="lgDash"/>
             <a:tailEnd type="none"/>
@@ -5081,7 +5070,7 @@
           </a:prstGeom>
           <a:ln w="28575">
             <a:solidFill>
-              <a:srgbClr val="267326"/>
+              <a:schemeClr val="tx1"/>
             </a:solidFill>
             <a:tailEnd type="triangle"/>
           </a:ln>
@@ -5124,7 +5113,7 @@
           <a:noFill/>
           <a:ln>
             <a:solidFill>
-              <a:srgbClr val="267326"/>
+              <a:schemeClr val="tx1"/>
             </a:solidFill>
           </a:ln>
         </p:spPr>
@@ -5136,9 +5125,6 @@
           <a:p>
             <a:r>
               <a:rPr lang="de-DE" sz="1600" dirty="0">
-                <a:solidFill>
-                  <a:srgbClr val="267326"/>
-                </a:solidFill>
                 <a:latin typeface="LM Roman 10" pitchFamily="2" charset="77"/>
                 <a:cs typeface="Didot" panose="02000503000000020003" pitchFamily="2" charset="-79"/>
               </a:rPr>
@@ -5149,9 +5135,6 @@
             <a:pPr algn="ctr"/>
             <a:r>
               <a:rPr lang="de-DE" sz="1100" dirty="0">
-                <a:solidFill>
-                  <a:srgbClr val="267326"/>
-                </a:solidFill>
                 <a:latin typeface="LM Roman 10" pitchFamily="2" charset="77"/>
                 <a:cs typeface="Didot" panose="02000503000000020003" pitchFamily="2" charset="-79"/>
               </a:rPr>
@@ -5184,7 +5167,7 @@
           </a:prstGeom>
           <a:ln w="28575">
             <a:solidFill>
-              <a:srgbClr val="267326"/>
+              <a:schemeClr val="tx1"/>
             </a:solidFill>
             <a:prstDash val="lgDash"/>
             <a:tailEnd type="triangle"/>
@@ -5230,7 +5213,7 @@
           </a:prstGeom>
           <a:ln w="28575">
             <a:solidFill>
-              <a:srgbClr val="267326"/>
+              <a:schemeClr val="tx1"/>
             </a:solidFill>
             <a:prstDash val="lgDash"/>
             <a:tailEnd type="triangle"/>
@@ -5281,9 +5264,6 @@
           <a:p>
             <a:r>
               <a:rPr lang="de-DE" sz="1200" dirty="0" err="1">
-                <a:solidFill>
-                  <a:srgbClr val="267326"/>
-                </a:solidFill>
                 <a:latin typeface="LM Roman 10" pitchFamily="2" charset="77"/>
                 <a:cs typeface="Didot" panose="02000503000000020003" pitchFamily="2" charset="-79"/>
               </a:rPr>
@@ -5291,9 +5271,6 @@
             </a:r>
             <a:r>
               <a:rPr lang="de-DE" sz="1200" dirty="0">
-                <a:solidFill>
-                  <a:srgbClr val="267326"/>
-                </a:solidFill>
                 <a:latin typeface="LM Roman 10" pitchFamily="2" charset="77"/>
                 <a:cs typeface="Didot" panose="02000503000000020003" pitchFamily="2" charset="-79"/>
               </a:rPr>
@@ -5332,9 +5309,6 @@
           <a:p>
             <a:r>
               <a:rPr lang="de-DE" sz="1200" dirty="0">
-                <a:solidFill>
-                  <a:srgbClr val="267326"/>
-                </a:solidFill>
                 <a:latin typeface="LM Roman 10" pitchFamily="2" charset="77"/>
                 <a:cs typeface="Didot" panose="02000503000000020003" pitchFamily="2" charset="-79"/>
               </a:rPr>
@@ -5373,9 +5347,6 @@
           <a:p>
             <a:r>
               <a:rPr lang="de-DE" sz="1200" dirty="0">
-                <a:solidFill>
-                  <a:srgbClr val="267326"/>
-                </a:solidFill>
                 <a:latin typeface="LM Roman 10" pitchFamily="2" charset="77"/>
                 <a:cs typeface="Didot" panose="02000503000000020003" pitchFamily="2" charset="-79"/>
               </a:rPr>
@@ -5414,71 +5385,10 @@
           <a:p>
             <a:r>
               <a:rPr lang="de-DE" sz="1200" dirty="0">
-                <a:solidFill>
-                  <a:srgbClr val="267326"/>
-                </a:solidFill>
                 <a:latin typeface="LM Roman 10" pitchFamily="2" charset="77"/>
                 <a:cs typeface="Didot" panose="02000503000000020003" pitchFamily="2" charset="-79"/>
               </a:rPr>
               <a:t>Lernen</a:t>
-            </a:r>
-          </a:p>
-        </p:txBody>
-      </p:sp>
-      <p:sp>
-        <p:nvSpPr>
-          <p:cNvPr id="2" name="Textfeld 1">
-            <a:extLst>
-              <a:ext uri="{FF2B5EF4-FFF2-40B4-BE49-F238E27FC236}">
-                <a16:creationId xmlns:a16="http://schemas.microsoft.com/office/drawing/2014/main" id="{688532F5-054C-CC5D-EB6A-4E062C765423}"/>
-              </a:ext>
-            </a:extLst>
-          </p:cNvPr>
-          <p:cNvSpPr txBox="1"/>
-          <p:nvPr/>
-        </p:nvSpPr>
-        <p:spPr>
-          <a:xfrm>
-            <a:off x="1181418" y="4958254"/>
-            <a:ext cx="8619667" cy="369332"/>
-          </a:xfrm>
-          <a:prstGeom prst="rect">
-            <a:avLst/>
-          </a:prstGeom>
-          <a:noFill/>
-        </p:spPr>
-        <p:txBody>
-          <a:bodyPr wrap="none" rtlCol="0">
-            <a:spAutoFit/>
-          </a:bodyPr>
-          <a:lstStyle/>
-          <a:p>
-            <a:r>
-              <a:rPr lang="de-DE" dirty="0">
-                <a:solidFill>
-                  <a:srgbClr val="267326"/>
-                </a:solidFill>
-                <a:latin typeface="LM Roman 10" pitchFamily="2" charset="77"/>
-              </a:rPr>
-              <a:t>Eigene Adaption des Modells </a:t>
-            </a:r>
-            <a:r>
-              <a:rPr lang="de-DE">
-                <a:solidFill>
-                  <a:srgbClr val="267326"/>
-                </a:solidFill>
-                <a:latin typeface="LM Roman 10" pitchFamily="2" charset="77"/>
-              </a:rPr>
-              <a:t>des Verstehensprozesses nach </a:t>
-            </a:r>
-            <a:r>
-              <a:rPr lang="de-DE" dirty="0">
-                <a:solidFill>
-                  <a:srgbClr val="7FC400"/>
-                </a:solidFill>
-                <a:latin typeface="LM Roman 10" pitchFamily="2" charset="77"/>
-              </a:rPr>
-              <a:t>Kriz &amp; Hegarty (2007) </a:t>
             </a:r>
           </a:p>
         </p:txBody>
@@ -5507,7 +5417,7 @@
           </a:prstGeom>
           <a:ln w="28575">
             <a:solidFill>
-              <a:srgbClr val="267326"/>
+              <a:schemeClr val="tx1"/>
             </a:solidFill>
           </a:ln>
         </p:spPr>
@@ -5556,27 +5466,18 @@
           <a:p>
             <a:r>
               <a:rPr lang="de-DE" sz="1400" dirty="0">
-                <a:solidFill>
-                  <a:srgbClr val="267326"/>
-                </a:solidFill>
                 <a:latin typeface="LM Roman 10" pitchFamily="2" charset="77"/>
               </a:rPr>
               <a:t>= </a:t>
             </a:r>
             <a:r>
               <a:rPr lang="de-DE" sz="1400" dirty="0" err="1">
-                <a:solidFill>
-                  <a:srgbClr val="267326"/>
-                </a:solidFill>
                 <a:latin typeface="LM Roman 10" pitchFamily="2" charset="77"/>
               </a:rPr>
               <a:t>Bottom-up</a:t>
             </a:r>
             <a:r>
               <a:rPr lang="de-DE" sz="1400" dirty="0">
-                <a:solidFill>
-                  <a:srgbClr val="267326"/>
-                </a:solidFill>
                 <a:latin typeface="LM Roman 10" pitchFamily="2" charset="77"/>
               </a:rPr>
               <a:t> Verstehensprozesse</a:t>
@@ -5608,7 +5509,7 @@
           </a:prstGeom>
           <a:ln w="28575">
             <a:solidFill>
-              <a:srgbClr val="267326"/>
+              <a:schemeClr val="tx1"/>
             </a:solidFill>
             <a:prstDash val="dash"/>
           </a:ln>
@@ -5658,9 +5559,6 @@
           <a:p>
             <a:r>
               <a:rPr lang="de-DE" sz="1400" dirty="0">
-                <a:solidFill>
-                  <a:srgbClr val="267326"/>
-                </a:solidFill>
                 <a:latin typeface="LM Roman 10" pitchFamily="2" charset="77"/>
               </a:rPr>
               <a:t>= Top-down Verstehensprozesse</a:t>
